--- a/ppt 16-9/1311.耶和华你神所.pptx
+++ b/ppt 16-9/1311.耶和华你神所.pptx
@@ -129,7 +129,7 @@
           <p:cNvPr id="2" name="标题 1">
             <a:extLst>
               <a:ext uri="{FF2B5EF4-FFF2-40B4-BE49-F238E27FC236}">
-                <a16:creationId xmlns:a16="http://schemas.microsoft.com/office/drawing/2014/main" id="{43804DC9-4A27-EE1B-FB59-EEE4DD7139E8}"/>
+                <a16:creationId xmlns:a16="http://schemas.microsoft.com/office/drawing/2014/main" id="{749BB53D-17BC-4410-1D31-F502C9B670E9}"/>
               </a:ext>
             </a:extLst>
           </p:cNvPr>
@@ -166,7 +166,7 @@
           <p:cNvPr id="3" name="副标题 2">
             <a:extLst>
               <a:ext uri="{FF2B5EF4-FFF2-40B4-BE49-F238E27FC236}">
-                <a16:creationId xmlns:a16="http://schemas.microsoft.com/office/drawing/2014/main" id="{74896408-C4B3-8638-AE8B-1AE71E5C668A}"/>
+                <a16:creationId xmlns:a16="http://schemas.microsoft.com/office/drawing/2014/main" id="{27D2C258-92F2-FC50-177A-5DA700BD0442}"/>
               </a:ext>
             </a:extLst>
           </p:cNvPr>
@@ -236,7 +236,7 @@
           <p:cNvPr id="4" name="日期占位符 3">
             <a:extLst>
               <a:ext uri="{FF2B5EF4-FFF2-40B4-BE49-F238E27FC236}">
-                <a16:creationId xmlns:a16="http://schemas.microsoft.com/office/drawing/2014/main" id="{E852B651-565F-FF30-9513-2BE3DC444953}"/>
+                <a16:creationId xmlns:a16="http://schemas.microsoft.com/office/drawing/2014/main" id="{CCF8CB35-C37A-3E33-E254-68D41D418D9D}"/>
               </a:ext>
             </a:extLst>
           </p:cNvPr>
@@ -252,7 +252,7 @@
           <a:bodyPr/>
           <a:lstStyle/>
           <a:p>
-            <a:fld id="{77D9D816-7CCD-4B26-BB2F-C79EE12B0E73}" type="datetimeFigureOut">
+            <a:fld id="{868829E5-E034-4104-92C5-4EB61FEB07A2}" type="datetimeFigureOut">
               <a:rPr lang="zh-CN" altLang="en-US" smtClean="0"/>
               <a:t>2024/3/10</a:t>
             </a:fld>
@@ -265,7 +265,7 @@
           <p:cNvPr id="5" name="页脚占位符 4">
             <a:extLst>
               <a:ext uri="{FF2B5EF4-FFF2-40B4-BE49-F238E27FC236}">
-                <a16:creationId xmlns:a16="http://schemas.microsoft.com/office/drawing/2014/main" id="{8DE43FB3-8909-9FA4-54A1-15019E2A2449}"/>
+                <a16:creationId xmlns:a16="http://schemas.microsoft.com/office/drawing/2014/main" id="{3F8B38DD-3B14-EA18-2AFB-055ADE5E913C}"/>
               </a:ext>
             </a:extLst>
           </p:cNvPr>
@@ -290,7 +290,7 @@
           <p:cNvPr id="6" name="灯片编号占位符 5">
             <a:extLst>
               <a:ext uri="{FF2B5EF4-FFF2-40B4-BE49-F238E27FC236}">
-                <a16:creationId xmlns:a16="http://schemas.microsoft.com/office/drawing/2014/main" id="{D4E9CE09-F9AB-8B8B-F176-28A5DB246560}"/>
+                <a16:creationId xmlns:a16="http://schemas.microsoft.com/office/drawing/2014/main" id="{A37987FD-9294-5069-C440-444E13645AD1}"/>
               </a:ext>
             </a:extLst>
           </p:cNvPr>
@@ -306,7 +306,7 @@
           <a:bodyPr/>
           <a:lstStyle/>
           <a:p>
-            <a:fld id="{3F388C96-6916-4F13-AC85-61A15A2A1B47}" type="slidenum">
+            <a:fld id="{ABBD7D73-9401-4E4A-9BE1-75403A54D665}" type="slidenum">
               <a:rPr lang="zh-CN" altLang="en-US" smtClean="0"/>
               <a:t>‹#›</a:t>
             </a:fld>
@@ -317,7 +317,7 @@
     </p:spTree>
     <p:extLst>
       <p:ext uri="{BB962C8B-B14F-4D97-AF65-F5344CB8AC3E}">
-        <p14:creationId xmlns:p14="http://schemas.microsoft.com/office/powerpoint/2010/main" val="1402228512"/>
+        <p14:creationId xmlns:p14="http://schemas.microsoft.com/office/powerpoint/2010/main" val="2746472775"/>
       </p:ext>
     </p:extLst>
   </p:cSld>
@@ -349,7 +349,7 @@
           <p:cNvPr id="2" name="标题 1">
             <a:extLst>
               <a:ext uri="{FF2B5EF4-FFF2-40B4-BE49-F238E27FC236}">
-                <a16:creationId xmlns:a16="http://schemas.microsoft.com/office/drawing/2014/main" id="{4D027977-7384-1CD6-8A4B-12A4D2557436}"/>
+                <a16:creationId xmlns:a16="http://schemas.microsoft.com/office/drawing/2014/main" id="{203A94E6-297C-C683-9E3B-60D3B96F288D}"/>
               </a:ext>
             </a:extLst>
           </p:cNvPr>
@@ -377,7 +377,7 @@
           <p:cNvPr id="3" name="竖排文字占位符 2">
             <a:extLst>
               <a:ext uri="{FF2B5EF4-FFF2-40B4-BE49-F238E27FC236}">
-                <a16:creationId xmlns:a16="http://schemas.microsoft.com/office/drawing/2014/main" id="{65F9C8B7-244A-F746-4C3E-E1B079D34AD4}"/>
+                <a16:creationId xmlns:a16="http://schemas.microsoft.com/office/drawing/2014/main" id="{188CBBC3-59AA-A279-010A-0FF2FC20CECF}"/>
               </a:ext>
             </a:extLst>
           </p:cNvPr>
@@ -434,7 +434,7 @@
           <p:cNvPr id="4" name="日期占位符 3">
             <a:extLst>
               <a:ext uri="{FF2B5EF4-FFF2-40B4-BE49-F238E27FC236}">
-                <a16:creationId xmlns:a16="http://schemas.microsoft.com/office/drawing/2014/main" id="{2DAEF8B6-7DD7-9C1B-FB86-6FFBFF828D1C}"/>
+                <a16:creationId xmlns:a16="http://schemas.microsoft.com/office/drawing/2014/main" id="{0ABAD8D5-219C-4F14-919C-0C4D4E103A93}"/>
               </a:ext>
             </a:extLst>
           </p:cNvPr>
@@ -450,7 +450,7 @@
           <a:bodyPr/>
           <a:lstStyle/>
           <a:p>
-            <a:fld id="{77D9D816-7CCD-4B26-BB2F-C79EE12B0E73}" type="datetimeFigureOut">
+            <a:fld id="{868829E5-E034-4104-92C5-4EB61FEB07A2}" type="datetimeFigureOut">
               <a:rPr lang="zh-CN" altLang="en-US" smtClean="0"/>
               <a:t>2024/3/10</a:t>
             </a:fld>
@@ -463,7 +463,7 @@
           <p:cNvPr id="5" name="页脚占位符 4">
             <a:extLst>
               <a:ext uri="{FF2B5EF4-FFF2-40B4-BE49-F238E27FC236}">
-                <a16:creationId xmlns:a16="http://schemas.microsoft.com/office/drawing/2014/main" id="{154F44E6-2EDC-DC0A-E05E-30CE18128AB5}"/>
+                <a16:creationId xmlns:a16="http://schemas.microsoft.com/office/drawing/2014/main" id="{678FAC07-A67C-4C35-3B0F-91C68E06046C}"/>
               </a:ext>
             </a:extLst>
           </p:cNvPr>
@@ -488,7 +488,7 @@
           <p:cNvPr id="6" name="灯片编号占位符 5">
             <a:extLst>
               <a:ext uri="{FF2B5EF4-FFF2-40B4-BE49-F238E27FC236}">
-                <a16:creationId xmlns:a16="http://schemas.microsoft.com/office/drawing/2014/main" id="{9C19EF12-05D7-DF07-59A2-C01F02C49CF3}"/>
+                <a16:creationId xmlns:a16="http://schemas.microsoft.com/office/drawing/2014/main" id="{90379430-C13C-6D07-8B91-2BB767E8FB12}"/>
               </a:ext>
             </a:extLst>
           </p:cNvPr>
@@ -504,7 +504,7 @@
           <a:bodyPr/>
           <a:lstStyle/>
           <a:p>
-            <a:fld id="{3F388C96-6916-4F13-AC85-61A15A2A1B47}" type="slidenum">
+            <a:fld id="{ABBD7D73-9401-4E4A-9BE1-75403A54D665}" type="slidenum">
               <a:rPr lang="zh-CN" altLang="en-US" smtClean="0"/>
               <a:t>‹#›</a:t>
             </a:fld>
@@ -515,7 +515,7 @@
     </p:spTree>
     <p:extLst>
       <p:ext uri="{BB962C8B-B14F-4D97-AF65-F5344CB8AC3E}">
-        <p14:creationId xmlns:p14="http://schemas.microsoft.com/office/powerpoint/2010/main" val="522600711"/>
+        <p14:creationId xmlns:p14="http://schemas.microsoft.com/office/powerpoint/2010/main" val="3389422690"/>
       </p:ext>
     </p:extLst>
   </p:cSld>
@@ -547,7 +547,7 @@
           <p:cNvPr id="2" name="竖排标题 1">
             <a:extLst>
               <a:ext uri="{FF2B5EF4-FFF2-40B4-BE49-F238E27FC236}">
-                <a16:creationId xmlns:a16="http://schemas.microsoft.com/office/drawing/2014/main" id="{307BDD8F-F040-FC6C-FEEF-2496AE949636}"/>
+                <a16:creationId xmlns:a16="http://schemas.microsoft.com/office/drawing/2014/main" id="{6E2D479A-FA78-4F7C-F4F4-4B77615E570F}"/>
               </a:ext>
             </a:extLst>
           </p:cNvPr>
@@ -580,7 +580,7 @@
           <p:cNvPr id="3" name="竖排文字占位符 2">
             <a:extLst>
               <a:ext uri="{FF2B5EF4-FFF2-40B4-BE49-F238E27FC236}">
-                <a16:creationId xmlns:a16="http://schemas.microsoft.com/office/drawing/2014/main" id="{CD4FC242-5C56-772D-CBCE-D77DD3517E2B}"/>
+                <a16:creationId xmlns:a16="http://schemas.microsoft.com/office/drawing/2014/main" id="{A4871933-5F0C-6146-C02A-C546483D3A6C}"/>
               </a:ext>
             </a:extLst>
           </p:cNvPr>
@@ -642,7 +642,7 @@
           <p:cNvPr id="4" name="日期占位符 3">
             <a:extLst>
               <a:ext uri="{FF2B5EF4-FFF2-40B4-BE49-F238E27FC236}">
-                <a16:creationId xmlns:a16="http://schemas.microsoft.com/office/drawing/2014/main" id="{E635FD46-9257-AA4A-8AAD-13D8BA883711}"/>
+                <a16:creationId xmlns:a16="http://schemas.microsoft.com/office/drawing/2014/main" id="{66DD1E51-5845-53A6-E03E-249A68232069}"/>
               </a:ext>
             </a:extLst>
           </p:cNvPr>
@@ -658,7 +658,7 @@
           <a:bodyPr/>
           <a:lstStyle/>
           <a:p>
-            <a:fld id="{77D9D816-7CCD-4B26-BB2F-C79EE12B0E73}" type="datetimeFigureOut">
+            <a:fld id="{868829E5-E034-4104-92C5-4EB61FEB07A2}" type="datetimeFigureOut">
               <a:rPr lang="zh-CN" altLang="en-US" smtClean="0"/>
               <a:t>2024/3/10</a:t>
             </a:fld>
@@ -671,7 +671,7 @@
           <p:cNvPr id="5" name="页脚占位符 4">
             <a:extLst>
               <a:ext uri="{FF2B5EF4-FFF2-40B4-BE49-F238E27FC236}">
-                <a16:creationId xmlns:a16="http://schemas.microsoft.com/office/drawing/2014/main" id="{929D0D40-3288-3DAA-5D4A-D4CDD1676EBD}"/>
+                <a16:creationId xmlns:a16="http://schemas.microsoft.com/office/drawing/2014/main" id="{BB3FBF45-9B8A-6822-A91A-D5156BDE1413}"/>
               </a:ext>
             </a:extLst>
           </p:cNvPr>
@@ -696,7 +696,7 @@
           <p:cNvPr id="6" name="灯片编号占位符 5">
             <a:extLst>
               <a:ext uri="{FF2B5EF4-FFF2-40B4-BE49-F238E27FC236}">
-                <a16:creationId xmlns:a16="http://schemas.microsoft.com/office/drawing/2014/main" id="{7D7D6466-4928-7109-D3A1-E2D43F7419FE}"/>
+                <a16:creationId xmlns:a16="http://schemas.microsoft.com/office/drawing/2014/main" id="{6AC8FC66-5F45-D21A-C322-001C5834352E}"/>
               </a:ext>
             </a:extLst>
           </p:cNvPr>
@@ -712,7 +712,7 @@
           <a:bodyPr/>
           <a:lstStyle/>
           <a:p>
-            <a:fld id="{3F388C96-6916-4F13-AC85-61A15A2A1B47}" type="slidenum">
+            <a:fld id="{ABBD7D73-9401-4E4A-9BE1-75403A54D665}" type="slidenum">
               <a:rPr lang="zh-CN" altLang="en-US" smtClean="0"/>
               <a:t>‹#›</a:t>
             </a:fld>
@@ -723,7 +723,7 @@
     </p:spTree>
     <p:extLst>
       <p:ext uri="{BB962C8B-B14F-4D97-AF65-F5344CB8AC3E}">
-        <p14:creationId xmlns:p14="http://schemas.microsoft.com/office/powerpoint/2010/main" val="3708684975"/>
+        <p14:creationId xmlns:p14="http://schemas.microsoft.com/office/powerpoint/2010/main" val="2572839919"/>
       </p:ext>
     </p:extLst>
   </p:cSld>
@@ -755,7 +755,7 @@
           <p:cNvPr id="2" name="标题 1">
             <a:extLst>
               <a:ext uri="{FF2B5EF4-FFF2-40B4-BE49-F238E27FC236}">
-                <a16:creationId xmlns:a16="http://schemas.microsoft.com/office/drawing/2014/main" id="{E8A61E63-AEFE-4ABB-8AB9-6AC24FAEF54D}"/>
+                <a16:creationId xmlns:a16="http://schemas.microsoft.com/office/drawing/2014/main" id="{4DD53E3B-6FB9-9072-4905-CD193EDD18A3}"/>
               </a:ext>
             </a:extLst>
           </p:cNvPr>
@@ -783,7 +783,7 @@
           <p:cNvPr id="3" name="内容占位符 2">
             <a:extLst>
               <a:ext uri="{FF2B5EF4-FFF2-40B4-BE49-F238E27FC236}">
-                <a16:creationId xmlns:a16="http://schemas.microsoft.com/office/drawing/2014/main" id="{F015D865-87BF-8095-8D24-F61A8A7ED128}"/>
+                <a16:creationId xmlns:a16="http://schemas.microsoft.com/office/drawing/2014/main" id="{93070F4B-1A95-AD7C-05D1-BF6A31A3D56B}"/>
               </a:ext>
             </a:extLst>
           </p:cNvPr>
@@ -840,7 +840,7 @@
           <p:cNvPr id="4" name="日期占位符 3">
             <a:extLst>
               <a:ext uri="{FF2B5EF4-FFF2-40B4-BE49-F238E27FC236}">
-                <a16:creationId xmlns:a16="http://schemas.microsoft.com/office/drawing/2014/main" id="{E867D511-6382-8A18-2884-64707FBCB377}"/>
+                <a16:creationId xmlns:a16="http://schemas.microsoft.com/office/drawing/2014/main" id="{A22C1A33-8D24-02D9-F8CE-3A5F37523E75}"/>
               </a:ext>
             </a:extLst>
           </p:cNvPr>
@@ -856,7 +856,7 @@
           <a:bodyPr/>
           <a:lstStyle/>
           <a:p>
-            <a:fld id="{77D9D816-7CCD-4B26-BB2F-C79EE12B0E73}" type="datetimeFigureOut">
+            <a:fld id="{868829E5-E034-4104-92C5-4EB61FEB07A2}" type="datetimeFigureOut">
               <a:rPr lang="zh-CN" altLang="en-US" smtClean="0"/>
               <a:t>2024/3/10</a:t>
             </a:fld>
@@ -869,7 +869,7 @@
           <p:cNvPr id="5" name="页脚占位符 4">
             <a:extLst>
               <a:ext uri="{FF2B5EF4-FFF2-40B4-BE49-F238E27FC236}">
-                <a16:creationId xmlns:a16="http://schemas.microsoft.com/office/drawing/2014/main" id="{65766E65-B914-F75D-0364-754386050547}"/>
+                <a16:creationId xmlns:a16="http://schemas.microsoft.com/office/drawing/2014/main" id="{ACBA911C-4ACF-5DDD-0B54-FFB91D5C628D}"/>
               </a:ext>
             </a:extLst>
           </p:cNvPr>
@@ -894,7 +894,7 @@
           <p:cNvPr id="6" name="灯片编号占位符 5">
             <a:extLst>
               <a:ext uri="{FF2B5EF4-FFF2-40B4-BE49-F238E27FC236}">
-                <a16:creationId xmlns:a16="http://schemas.microsoft.com/office/drawing/2014/main" id="{6707DB07-2B4C-B797-8096-044CFDD5138B}"/>
+                <a16:creationId xmlns:a16="http://schemas.microsoft.com/office/drawing/2014/main" id="{16CD8704-6666-2529-7FD5-DD92CCF33676}"/>
               </a:ext>
             </a:extLst>
           </p:cNvPr>
@@ -910,7 +910,7 @@
           <a:bodyPr/>
           <a:lstStyle/>
           <a:p>
-            <a:fld id="{3F388C96-6916-4F13-AC85-61A15A2A1B47}" type="slidenum">
+            <a:fld id="{ABBD7D73-9401-4E4A-9BE1-75403A54D665}" type="slidenum">
               <a:rPr lang="zh-CN" altLang="en-US" smtClean="0"/>
               <a:t>‹#›</a:t>
             </a:fld>
@@ -921,7 +921,7 @@
     </p:spTree>
     <p:extLst>
       <p:ext uri="{BB962C8B-B14F-4D97-AF65-F5344CB8AC3E}">
-        <p14:creationId xmlns:p14="http://schemas.microsoft.com/office/powerpoint/2010/main" val="1054030040"/>
+        <p14:creationId xmlns:p14="http://schemas.microsoft.com/office/powerpoint/2010/main" val="1296469090"/>
       </p:ext>
     </p:extLst>
   </p:cSld>
@@ -953,7 +953,7 @@
           <p:cNvPr id="2" name="标题 1">
             <a:extLst>
               <a:ext uri="{FF2B5EF4-FFF2-40B4-BE49-F238E27FC236}">
-                <a16:creationId xmlns:a16="http://schemas.microsoft.com/office/drawing/2014/main" id="{F6578FF9-8D58-4021-8870-567DA646D0FA}"/>
+                <a16:creationId xmlns:a16="http://schemas.microsoft.com/office/drawing/2014/main" id="{482F68B5-711D-93FE-69D1-F319C2D4F5D3}"/>
               </a:ext>
             </a:extLst>
           </p:cNvPr>
@@ -990,7 +990,7 @@
           <p:cNvPr id="3" name="文本占位符 2">
             <a:extLst>
               <a:ext uri="{FF2B5EF4-FFF2-40B4-BE49-F238E27FC236}">
-                <a16:creationId xmlns:a16="http://schemas.microsoft.com/office/drawing/2014/main" id="{B92754C3-0590-7BDF-D6FB-46B345720033}"/>
+                <a16:creationId xmlns:a16="http://schemas.microsoft.com/office/drawing/2014/main" id="{C87446C8-44D4-FB72-79AA-502BDE8C22A7}"/>
               </a:ext>
             </a:extLst>
           </p:cNvPr>
@@ -1115,7 +1115,7 @@
           <p:cNvPr id="4" name="日期占位符 3">
             <a:extLst>
               <a:ext uri="{FF2B5EF4-FFF2-40B4-BE49-F238E27FC236}">
-                <a16:creationId xmlns:a16="http://schemas.microsoft.com/office/drawing/2014/main" id="{836A7ABC-501D-5775-3173-40FB46516DE7}"/>
+                <a16:creationId xmlns:a16="http://schemas.microsoft.com/office/drawing/2014/main" id="{EE194A96-F210-F03F-0CDB-056574102C5B}"/>
               </a:ext>
             </a:extLst>
           </p:cNvPr>
@@ -1131,7 +1131,7 @@
           <a:bodyPr/>
           <a:lstStyle/>
           <a:p>
-            <a:fld id="{77D9D816-7CCD-4B26-BB2F-C79EE12B0E73}" type="datetimeFigureOut">
+            <a:fld id="{868829E5-E034-4104-92C5-4EB61FEB07A2}" type="datetimeFigureOut">
               <a:rPr lang="zh-CN" altLang="en-US" smtClean="0"/>
               <a:t>2024/3/10</a:t>
             </a:fld>
@@ -1144,7 +1144,7 @@
           <p:cNvPr id="5" name="页脚占位符 4">
             <a:extLst>
               <a:ext uri="{FF2B5EF4-FFF2-40B4-BE49-F238E27FC236}">
-                <a16:creationId xmlns:a16="http://schemas.microsoft.com/office/drawing/2014/main" id="{978E827A-9A2C-FF42-BC3B-D84DA06BD8DF}"/>
+                <a16:creationId xmlns:a16="http://schemas.microsoft.com/office/drawing/2014/main" id="{E220A0EC-0243-48C0-A421-CB2699F92063}"/>
               </a:ext>
             </a:extLst>
           </p:cNvPr>
@@ -1169,7 +1169,7 @@
           <p:cNvPr id="6" name="灯片编号占位符 5">
             <a:extLst>
               <a:ext uri="{FF2B5EF4-FFF2-40B4-BE49-F238E27FC236}">
-                <a16:creationId xmlns:a16="http://schemas.microsoft.com/office/drawing/2014/main" id="{9BD5BC9E-48D6-4B79-302D-A23166EA4C25}"/>
+                <a16:creationId xmlns:a16="http://schemas.microsoft.com/office/drawing/2014/main" id="{37CBE587-333E-0E4F-2D32-BDAAB02F96B2}"/>
               </a:ext>
             </a:extLst>
           </p:cNvPr>
@@ -1185,7 +1185,7 @@
           <a:bodyPr/>
           <a:lstStyle/>
           <a:p>
-            <a:fld id="{3F388C96-6916-4F13-AC85-61A15A2A1B47}" type="slidenum">
+            <a:fld id="{ABBD7D73-9401-4E4A-9BE1-75403A54D665}" type="slidenum">
               <a:rPr lang="zh-CN" altLang="en-US" smtClean="0"/>
               <a:t>‹#›</a:t>
             </a:fld>
@@ -1196,7 +1196,7 @@
     </p:spTree>
     <p:extLst>
       <p:ext uri="{BB962C8B-B14F-4D97-AF65-F5344CB8AC3E}">
-        <p14:creationId xmlns:p14="http://schemas.microsoft.com/office/powerpoint/2010/main" val="1178870031"/>
+        <p14:creationId xmlns:p14="http://schemas.microsoft.com/office/powerpoint/2010/main" val="1820623834"/>
       </p:ext>
     </p:extLst>
   </p:cSld>
@@ -1228,7 +1228,7 @@
           <p:cNvPr id="2" name="标题 1">
             <a:extLst>
               <a:ext uri="{FF2B5EF4-FFF2-40B4-BE49-F238E27FC236}">
-                <a16:creationId xmlns:a16="http://schemas.microsoft.com/office/drawing/2014/main" id="{FFE6F2D1-CB34-469A-693F-58CE99C417EE}"/>
+                <a16:creationId xmlns:a16="http://schemas.microsoft.com/office/drawing/2014/main" id="{14A637DE-2174-DAAC-9C8B-7715F16E9EC5}"/>
               </a:ext>
             </a:extLst>
           </p:cNvPr>
@@ -1256,7 +1256,7 @@
           <p:cNvPr id="3" name="内容占位符 2">
             <a:extLst>
               <a:ext uri="{FF2B5EF4-FFF2-40B4-BE49-F238E27FC236}">
-                <a16:creationId xmlns:a16="http://schemas.microsoft.com/office/drawing/2014/main" id="{735665BF-9E9D-6411-2D44-630886F7778E}"/>
+                <a16:creationId xmlns:a16="http://schemas.microsoft.com/office/drawing/2014/main" id="{0FB9BF99-4770-D18B-4D2F-25ACA9403897}"/>
               </a:ext>
             </a:extLst>
           </p:cNvPr>
@@ -1318,7 +1318,7 @@
           <p:cNvPr id="4" name="内容占位符 3">
             <a:extLst>
               <a:ext uri="{FF2B5EF4-FFF2-40B4-BE49-F238E27FC236}">
-                <a16:creationId xmlns:a16="http://schemas.microsoft.com/office/drawing/2014/main" id="{A02C700F-20DF-F66B-4445-4DB0B38FB569}"/>
+                <a16:creationId xmlns:a16="http://schemas.microsoft.com/office/drawing/2014/main" id="{08A70EF6-29E5-262C-42ED-8B1A394E9173}"/>
               </a:ext>
             </a:extLst>
           </p:cNvPr>
@@ -1380,7 +1380,7 @@
           <p:cNvPr id="5" name="日期占位符 4">
             <a:extLst>
               <a:ext uri="{FF2B5EF4-FFF2-40B4-BE49-F238E27FC236}">
-                <a16:creationId xmlns:a16="http://schemas.microsoft.com/office/drawing/2014/main" id="{A370FC61-49E5-39A5-30B9-5CE25C0922BC}"/>
+                <a16:creationId xmlns:a16="http://schemas.microsoft.com/office/drawing/2014/main" id="{DA1FC718-0E55-3198-1947-F3C0BF1CB99A}"/>
               </a:ext>
             </a:extLst>
           </p:cNvPr>
@@ -1396,7 +1396,7 @@
           <a:bodyPr/>
           <a:lstStyle/>
           <a:p>
-            <a:fld id="{77D9D816-7CCD-4B26-BB2F-C79EE12B0E73}" type="datetimeFigureOut">
+            <a:fld id="{868829E5-E034-4104-92C5-4EB61FEB07A2}" type="datetimeFigureOut">
               <a:rPr lang="zh-CN" altLang="en-US" smtClean="0"/>
               <a:t>2024/3/10</a:t>
             </a:fld>
@@ -1409,7 +1409,7 @@
           <p:cNvPr id="6" name="页脚占位符 5">
             <a:extLst>
               <a:ext uri="{FF2B5EF4-FFF2-40B4-BE49-F238E27FC236}">
-                <a16:creationId xmlns:a16="http://schemas.microsoft.com/office/drawing/2014/main" id="{24B4A527-0260-AAD3-4951-8183171D5E7C}"/>
+                <a16:creationId xmlns:a16="http://schemas.microsoft.com/office/drawing/2014/main" id="{EA3E0171-8801-C0DD-79CD-0034A76B2580}"/>
               </a:ext>
             </a:extLst>
           </p:cNvPr>
@@ -1434,7 +1434,7 @@
           <p:cNvPr id="7" name="灯片编号占位符 6">
             <a:extLst>
               <a:ext uri="{FF2B5EF4-FFF2-40B4-BE49-F238E27FC236}">
-                <a16:creationId xmlns:a16="http://schemas.microsoft.com/office/drawing/2014/main" id="{8FC6C482-3C90-DD9E-9E6A-65456F06386C}"/>
+                <a16:creationId xmlns:a16="http://schemas.microsoft.com/office/drawing/2014/main" id="{7CBDBE5B-7A9B-2874-9C0C-A6C7D074A261}"/>
               </a:ext>
             </a:extLst>
           </p:cNvPr>
@@ -1450,7 +1450,7 @@
           <a:bodyPr/>
           <a:lstStyle/>
           <a:p>
-            <a:fld id="{3F388C96-6916-4F13-AC85-61A15A2A1B47}" type="slidenum">
+            <a:fld id="{ABBD7D73-9401-4E4A-9BE1-75403A54D665}" type="slidenum">
               <a:rPr lang="zh-CN" altLang="en-US" smtClean="0"/>
               <a:t>‹#›</a:t>
             </a:fld>
@@ -1461,7 +1461,7 @@
     </p:spTree>
     <p:extLst>
       <p:ext uri="{BB962C8B-B14F-4D97-AF65-F5344CB8AC3E}">
-        <p14:creationId xmlns:p14="http://schemas.microsoft.com/office/powerpoint/2010/main" val="2753322857"/>
+        <p14:creationId xmlns:p14="http://schemas.microsoft.com/office/powerpoint/2010/main" val="3399345969"/>
       </p:ext>
     </p:extLst>
   </p:cSld>
@@ -1493,7 +1493,7 @@
           <p:cNvPr id="2" name="标题 1">
             <a:extLst>
               <a:ext uri="{FF2B5EF4-FFF2-40B4-BE49-F238E27FC236}">
-                <a16:creationId xmlns:a16="http://schemas.microsoft.com/office/drawing/2014/main" id="{06CC6FAD-1A70-C3AA-9665-56DD5162705E}"/>
+                <a16:creationId xmlns:a16="http://schemas.microsoft.com/office/drawing/2014/main" id="{11CBFA2B-5D5C-D141-C1CC-AF70E501E17A}"/>
               </a:ext>
             </a:extLst>
           </p:cNvPr>
@@ -1526,7 +1526,7 @@
           <p:cNvPr id="3" name="文本占位符 2">
             <a:extLst>
               <a:ext uri="{FF2B5EF4-FFF2-40B4-BE49-F238E27FC236}">
-                <a16:creationId xmlns:a16="http://schemas.microsoft.com/office/drawing/2014/main" id="{03AE1625-B792-B19B-5EBF-ED42E6AABD56}"/>
+                <a16:creationId xmlns:a16="http://schemas.microsoft.com/office/drawing/2014/main" id="{00E698F3-8BD9-AEF0-CDC5-C0F811B55198}"/>
               </a:ext>
             </a:extLst>
           </p:cNvPr>
@@ -1597,7 +1597,7 @@
           <p:cNvPr id="4" name="内容占位符 3">
             <a:extLst>
               <a:ext uri="{FF2B5EF4-FFF2-40B4-BE49-F238E27FC236}">
-                <a16:creationId xmlns:a16="http://schemas.microsoft.com/office/drawing/2014/main" id="{FD1E86D0-35A8-20D8-2231-57CD60ECF741}"/>
+                <a16:creationId xmlns:a16="http://schemas.microsoft.com/office/drawing/2014/main" id="{9A04D508-03D3-3C7C-C94A-3213048098DE}"/>
               </a:ext>
             </a:extLst>
           </p:cNvPr>
@@ -1659,7 +1659,7 @@
           <p:cNvPr id="5" name="文本占位符 4">
             <a:extLst>
               <a:ext uri="{FF2B5EF4-FFF2-40B4-BE49-F238E27FC236}">
-                <a16:creationId xmlns:a16="http://schemas.microsoft.com/office/drawing/2014/main" id="{37925ADA-7F16-13F7-0E6A-63DD9D056AAD}"/>
+                <a16:creationId xmlns:a16="http://schemas.microsoft.com/office/drawing/2014/main" id="{7840AC16-9B0F-308D-1C64-33A87E25CEAC}"/>
               </a:ext>
             </a:extLst>
           </p:cNvPr>
@@ -1730,7 +1730,7 @@
           <p:cNvPr id="6" name="内容占位符 5">
             <a:extLst>
               <a:ext uri="{FF2B5EF4-FFF2-40B4-BE49-F238E27FC236}">
-                <a16:creationId xmlns:a16="http://schemas.microsoft.com/office/drawing/2014/main" id="{03E21C99-760F-D21F-BA1D-7324FA3667D3}"/>
+                <a16:creationId xmlns:a16="http://schemas.microsoft.com/office/drawing/2014/main" id="{9961ADBD-067B-48AA-9CC4-C6C91F68E7BC}"/>
               </a:ext>
             </a:extLst>
           </p:cNvPr>
@@ -1792,7 +1792,7 @@
           <p:cNvPr id="7" name="日期占位符 6">
             <a:extLst>
               <a:ext uri="{FF2B5EF4-FFF2-40B4-BE49-F238E27FC236}">
-                <a16:creationId xmlns:a16="http://schemas.microsoft.com/office/drawing/2014/main" id="{A2030956-BC7D-8351-15B5-467ED11F46B3}"/>
+                <a16:creationId xmlns:a16="http://schemas.microsoft.com/office/drawing/2014/main" id="{7C03CF0F-87AF-78BC-C2E9-636776DB6689}"/>
               </a:ext>
             </a:extLst>
           </p:cNvPr>
@@ -1808,7 +1808,7 @@
           <a:bodyPr/>
           <a:lstStyle/>
           <a:p>
-            <a:fld id="{77D9D816-7CCD-4B26-BB2F-C79EE12B0E73}" type="datetimeFigureOut">
+            <a:fld id="{868829E5-E034-4104-92C5-4EB61FEB07A2}" type="datetimeFigureOut">
               <a:rPr lang="zh-CN" altLang="en-US" smtClean="0"/>
               <a:t>2024/3/10</a:t>
             </a:fld>
@@ -1821,7 +1821,7 @@
           <p:cNvPr id="8" name="页脚占位符 7">
             <a:extLst>
               <a:ext uri="{FF2B5EF4-FFF2-40B4-BE49-F238E27FC236}">
-                <a16:creationId xmlns:a16="http://schemas.microsoft.com/office/drawing/2014/main" id="{9D0225D0-D8AF-BF65-39C7-0E945C8B0FD8}"/>
+                <a16:creationId xmlns:a16="http://schemas.microsoft.com/office/drawing/2014/main" id="{DD8D2C36-97C9-11CC-A5BA-F6B3EBD50682}"/>
               </a:ext>
             </a:extLst>
           </p:cNvPr>
@@ -1846,7 +1846,7 @@
           <p:cNvPr id="9" name="灯片编号占位符 8">
             <a:extLst>
               <a:ext uri="{FF2B5EF4-FFF2-40B4-BE49-F238E27FC236}">
-                <a16:creationId xmlns:a16="http://schemas.microsoft.com/office/drawing/2014/main" id="{D626FD22-C9AA-3D93-9C53-CA1A7C743CE3}"/>
+                <a16:creationId xmlns:a16="http://schemas.microsoft.com/office/drawing/2014/main" id="{B7B60BB8-6782-52C8-50AA-EA211D2D4A50}"/>
               </a:ext>
             </a:extLst>
           </p:cNvPr>
@@ -1862,7 +1862,7 @@
           <a:bodyPr/>
           <a:lstStyle/>
           <a:p>
-            <a:fld id="{3F388C96-6916-4F13-AC85-61A15A2A1B47}" type="slidenum">
+            <a:fld id="{ABBD7D73-9401-4E4A-9BE1-75403A54D665}" type="slidenum">
               <a:rPr lang="zh-CN" altLang="en-US" smtClean="0"/>
               <a:t>‹#›</a:t>
             </a:fld>
@@ -1873,7 +1873,7 @@
     </p:spTree>
     <p:extLst>
       <p:ext uri="{BB962C8B-B14F-4D97-AF65-F5344CB8AC3E}">
-        <p14:creationId xmlns:p14="http://schemas.microsoft.com/office/powerpoint/2010/main" val="1634280813"/>
+        <p14:creationId xmlns:p14="http://schemas.microsoft.com/office/powerpoint/2010/main" val="789404611"/>
       </p:ext>
     </p:extLst>
   </p:cSld>
@@ -1905,7 +1905,7 @@
           <p:cNvPr id="2" name="标题 1">
             <a:extLst>
               <a:ext uri="{FF2B5EF4-FFF2-40B4-BE49-F238E27FC236}">
-                <a16:creationId xmlns:a16="http://schemas.microsoft.com/office/drawing/2014/main" id="{2628FE37-EAA7-19B5-90BD-CC940DF31CF6}"/>
+                <a16:creationId xmlns:a16="http://schemas.microsoft.com/office/drawing/2014/main" id="{96FA6B2D-7A18-70B7-72EB-0FDDF7903A23}"/>
               </a:ext>
             </a:extLst>
           </p:cNvPr>
@@ -1933,7 +1933,7 @@
           <p:cNvPr id="3" name="日期占位符 2">
             <a:extLst>
               <a:ext uri="{FF2B5EF4-FFF2-40B4-BE49-F238E27FC236}">
-                <a16:creationId xmlns:a16="http://schemas.microsoft.com/office/drawing/2014/main" id="{74354C12-0133-43AD-7277-756BBA3744C1}"/>
+                <a16:creationId xmlns:a16="http://schemas.microsoft.com/office/drawing/2014/main" id="{4C3E62B1-3215-B83B-C4DB-40461542146B}"/>
               </a:ext>
             </a:extLst>
           </p:cNvPr>
@@ -1949,7 +1949,7 @@
           <a:bodyPr/>
           <a:lstStyle/>
           <a:p>
-            <a:fld id="{77D9D816-7CCD-4B26-BB2F-C79EE12B0E73}" type="datetimeFigureOut">
+            <a:fld id="{868829E5-E034-4104-92C5-4EB61FEB07A2}" type="datetimeFigureOut">
               <a:rPr lang="zh-CN" altLang="en-US" smtClean="0"/>
               <a:t>2024/3/10</a:t>
             </a:fld>
@@ -1962,7 +1962,7 @@
           <p:cNvPr id="4" name="页脚占位符 3">
             <a:extLst>
               <a:ext uri="{FF2B5EF4-FFF2-40B4-BE49-F238E27FC236}">
-                <a16:creationId xmlns:a16="http://schemas.microsoft.com/office/drawing/2014/main" id="{65246BDF-F7A6-9D39-7FBE-B85D157EB98B}"/>
+                <a16:creationId xmlns:a16="http://schemas.microsoft.com/office/drawing/2014/main" id="{DC74A408-F963-AA48-2485-C70EAAB8F9C6}"/>
               </a:ext>
             </a:extLst>
           </p:cNvPr>
@@ -1987,7 +1987,7 @@
           <p:cNvPr id="5" name="灯片编号占位符 4">
             <a:extLst>
               <a:ext uri="{FF2B5EF4-FFF2-40B4-BE49-F238E27FC236}">
-                <a16:creationId xmlns:a16="http://schemas.microsoft.com/office/drawing/2014/main" id="{4EA683ED-A313-59CA-C7DD-59221EA34C19}"/>
+                <a16:creationId xmlns:a16="http://schemas.microsoft.com/office/drawing/2014/main" id="{8FD59A0A-7A5C-6608-FF32-3781C5453BB7}"/>
               </a:ext>
             </a:extLst>
           </p:cNvPr>
@@ -2003,7 +2003,7 @@
           <a:bodyPr/>
           <a:lstStyle/>
           <a:p>
-            <a:fld id="{3F388C96-6916-4F13-AC85-61A15A2A1B47}" type="slidenum">
+            <a:fld id="{ABBD7D73-9401-4E4A-9BE1-75403A54D665}" type="slidenum">
               <a:rPr lang="zh-CN" altLang="en-US" smtClean="0"/>
               <a:t>‹#›</a:t>
             </a:fld>
@@ -2014,7 +2014,7 @@
     </p:spTree>
     <p:extLst>
       <p:ext uri="{BB962C8B-B14F-4D97-AF65-F5344CB8AC3E}">
-        <p14:creationId xmlns:p14="http://schemas.microsoft.com/office/powerpoint/2010/main" val="512942360"/>
+        <p14:creationId xmlns:p14="http://schemas.microsoft.com/office/powerpoint/2010/main" val="730740110"/>
       </p:ext>
     </p:extLst>
   </p:cSld>
@@ -2046,7 +2046,7 @@
           <p:cNvPr id="2" name="日期占位符 1">
             <a:extLst>
               <a:ext uri="{FF2B5EF4-FFF2-40B4-BE49-F238E27FC236}">
-                <a16:creationId xmlns:a16="http://schemas.microsoft.com/office/drawing/2014/main" id="{F0C54056-3069-2D71-2ECE-AAF5A5F3E46C}"/>
+                <a16:creationId xmlns:a16="http://schemas.microsoft.com/office/drawing/2014/main" id="{BF831ACA-E9CC-CF49-EAE7-4A46C3DBC7D3}"/>
               </a:ext>
             </a:extLst>
           </p:cNvPr>
@@ -2062,7 +2062,7 @@
           <a:bodyPr/>
           <a:lstStyle/>
           <a:p>
-            <a:fld id="{77D9D816-7CCD-4B26-BB2F-C79EE12B0E73}" type="datetimeFigureOut">
+            <a:fld id="{868829E5-E034-4104-92C5-4EB61FEB07A2}" type="datetimeFigureOut">
               <a:rPr lang="zh-CN" altLang="en-US" smtClean="0"/>
               <a:t>2024/3/10</a:t>
             </a:fld>
@@ -2075,7 +2075,7 @@
           <p:cNvPr id="3" name="页脚占位符 2">
             <a:extLst>
               <a:ext uri="{FF2B5EF4-FFF2-40B4-BE49-F238E27FC236}">
-                <a16:creationId xmlns:a16="http://schemas.microsoft.com/office/drawing/2014/main" id="{BD892A66-09AA-BCE0-DB55-4FED3F3D28F6}"/>
+                <a16:creationId xmlns:a16="http://schemas.microsoft.com/office/drawing/2014/main" id="{219CC974-E5B1-8D3A-ECEF-902BEC0DAF36}"/>
               </a:ext>
             </a:extLst>
           </p:cNvPr>
@@ -2100,7 +2100,7 @@
           <p:cNvPr id="4" name="灯片编号占位符 3">
             <a:extLst>
               <a:ext uri="{FF2B5EF4-FFF2-40B4-BE49-F238E27FC236}">
-                <a16:creationId xmlns:a16="http://schemas.microsoft.com/office/drawing/2014/main" id="{D548FB78-783F-1ED0-8A58-673F6B93DE4B}"/>
+                <a16:creationId xmlns:a16="http://schemas.microsoft.com/office/drawing/2014/main" id="{C495370F-0552-4595-D75A-C44D4509C636}"/>
               </a:ext>
             </a:extLst>
           </p:cNvPr>
@@ -2116,7 +2116,7 @@
           <a:bodyPr/>
           <a:lstStyle/>
           <a:p>
-            <a:fld id="{3F388C96-6916-4F13-AC85-61A15A2A1B47}" type="slidenum">
+            <a:fld id="{ABBD7D73-9401-4E4A-9BE1-75403A54D665}" type="slidenum">
               <a:rPr lang="zh-CN" altLang="en-US" smtClean="0"/>
               <a:t>‹#›</a:t>
             </a:fld>
@@ -2127,7 +2127,7 @@
     </p:spTree>
     <p:extLst>
       <p:ext uri="{BB962C8B-B14F-4D97-AF65-F5344CB8AC3E}">
-        <p14:creationId xmlns:p14="http://schemas.microsoft.com/office/powerpoint/2010/main" val="2012168495"/>
+        <p14:creationId xmlns:p14="http://schemas.microsoft.com/office/powerpoint/2010/main" val="504051844"/>
       </p:ext>
     </p:extLst>
   </p:cSld>
@@ -2159,7 +2159,7 @@
           <p:cNvPr id="2" name="标题 1">
             <a:extLst>
               <a:ext uri="{FF2B5EF4-FFF2-40B4-BE49-F238E27FC236}">
-                <a16:creationId xmlns:a16="http://schemas.microsoft.com/office/drawing/2014/main" id="{376770C1-6664-66D2-5C75-9A772B54C716}"/>
+                <a16:creationId xmlns:a16="http://schemas.microsoft.com/office/drawing/2014/main" id="{68DBB777-9A5A-9939-8B8B-59232519780A}"/>
               </a:ext>
             </a:extLst>
           </p:cNvPr>
@@ -2196,7 +2196,7 @@
           <p:cNvPr id="3" name="内容占位符 2">
             <a:extLst>
               <a:ext uri="{FF2B5EF4-FFF2-40B4-BE49-F238E27FC236}">
-                <a16:creationId xmlns:a16="http://schemas.microsoft.com/office/drawing/2014/main" id="{BDC9C256-A391-AD9B-9DB5-1AC92B91F414}"/>
+                <a16:creationId xmlns:a16="http://schemas.microsoft.com/office/drawing/2014/main" id="{32BAAD51-7641-BF43-EC2C-64468B5312D7}"/>
               </a:ext>
             </a:extLst>
           </p:cNvPr>
@@ -2286,7 +2286,7 @@
           <p:cNvPr id="4" name="文本占位符 3">
             <a:extLst>
               <a:ext uri="{FF2B5EF4-FFF2-40B4-BE49-F238E27FC236}">
-                <a16:creationId xmlns:a16="http://schemas.microsoft.com/office/drawing/2014/main" id="{71528088-0016-FB27-0919-442DD2BF97C0}"/>
+                <a16:creationId xmlns:a16="http://schemas.microsoft.com/office/drawing/2014/main" id="{623F2595-F74A-1B71-430B-0814031B913E}"/>
               </a:ext>
             </a:extLst>
           </p:cNvPr>
@@ -2357,7 +2357,7 @@
           <p:cNvPr id="5" name="日期占位符 4">
             <a:extLst>
               <a:ext uri="{FF2B5EF4-FFF2-40B4-BE49-F238E27FC236}">
-                <a16:creationId xmlns:a16="http://schemas.microsoft.com/office/drawing/2014/main" id="{9E5CAA5D-40A5-8799-C3E0-8B46334CB235}"/>
+                <a16:creationId xmlns:a16="http://schemas.microsoft.com/office/drawing/2014/main" id="{FB2F2F71-7F3D-7BD0-B088-A11007E0FBA2}"/>
               </a:ext>
             </a:extLst>
           </p:cNvPr>
@@ -2373,7 +2373,7 @@
           <a:bodyPr/>
           <a:lstStyle/>
           <a:p>
-            <a:fld id="{77D9D816-7CCD-4B26-BB2F-C79EE12B0E73}" type="datetimeFigureOut">
+            <a:fld id="{868829E5-E034-4104-92C5-4EB61FEB07A2}" type="datetimeFigureOut">
               <a:rPr lang="zh-CN" altLang="en-US" smtClean="0"/>
               <a:t>2024/3/10</a:t>
             </a:fld>
@@ -2386,7 +2386,7 @@
           <p:cNvPr id="6" name="页脚占位符 5">
             <a:extLst>
               <a:ext uri="{FF2B5EF4-FFF2-40B4-BE49-F238E27FC236}">
-                <a16:creationId xmlns:a16="http://schemas.microsoft.com/office/drawing/2014/main" id="{591B49E7-BE19-3D4F-99A4-89C480E23698}"/>
+                <a16:creationId xmlns:a16="http://schemas.microsoft.com/office/drawing/2014/main" id="{49305B46-93DA-8D76-4F03-882DAAC5F506}"/>
               </a:ext>
             </a:extLst>
           </p:cNvPr>
@@ -2411,7 +2411,7 @@
           <p:cNvPr id="7" name="灯片编号占位符 6">
             <a:extLst>
               <a:ext uri="{FF2B5EF4-FFF2-40B4-BE49-F238E27FC236}">
-                <a16:creationId xmlns:a16="http://schemas.microsoft.com/office/drawing/2014/main" id="{8B61DCB9-C111-82E2-EB46-A81E05739EBB}"/>
+                <a16:creationId xmlns:a16="http://schemas.microsoft.com/office/drawing/2014/main" id="{EBB6E11F-1B5A-AB46-637A-8EED5A747183}"/>
               </a:ext>
             </a:extLst>
           </p:cNvPr>
@@ -2427,7 +2427,7 @@
           <a:bodyPr/>
           <a:lstStyle/>
           <a:p>
-            <a:fld id="{3F388C96-6916-4F13-AC85-61A15A2A1B47}" type="slidenum">
+            <a:fld id="{ABBD7D73-9401-4E4A-9BE1-75403A54D665}" type="slidenum">
               <a:rPr lang="zh-CN" altLang="en-US" smtClean="0"/>
               <a:t>‹#›</a:t>
             </a:fld>
@@ -2438,7 +2438,7 @@
     </p:spTree>
     <p:extLst>
       <p:ext uri="{BB962C8B-B14F-4D97-AF65-F5344CB8AC3E}">
-        <p14:creationId xmlns:p14="http://schemas.microsoft.com/office/powerpoint/2010/main" val="2838252409"/>
+        <p14:creationId xmlns:p14="http://schemas.microsoft.com/office/powerpoint/2010/main" val="3750852430"/>
       </p:ext>
     </p:extLst>
   </p:cSld>
@@ -2470,7 +2470,7 @@
           <p:cNvPr id="2" name="标题 1">
             <a:extLst>
               <a:ext uri="{FF2B5EF4-FFF2-40B4-BE49-F238E27FC236}">
-                <a16:creationId xmlns:a16="http://schemas.microsoft.com/office/drawing/2014/main" id="{1115F8AC-FAA1-2045-25F8-8FEE1C407521}"/>
+                <a16:creationId xmlns:a16="http://schemas.microsoft.com/office/drawing/2014/main" id="{CD95B564-7BB6-FF30-9B24-54EB5A22A8A2}"/>
               </a:ext>
             </a:extLst>
           </p:cNvPr>
@@ -2507,7 +2507,7 @@
           <p:cNvPr id="3" name="图片占位符 2">
             <a:extLst>
               <a:ext uri="{FF2B5EF4-FFF2-40B4-BE49-F238E27FC236}">
-                <a16:creationId xmlns:a16="http://schemas.microsoft.com/office/drawing/2014/main" id="{444650B4-DCBA-FCBE-3C38-0B54466F6E07}"/>
+                <a16:creationId xmlns:a16="http://schemas.microsoft.com/office/drawing/2014/main" id="{F84373AE-AF83-03BC-AD94-C779CFDD266A}"/>
               </a:ext>
             </a:extLst>
           </p:cNvPr>
@@ -2574,7 +2574,7 @@
           <p:cNvPr id="4" name="文本占位符 3">
             <a:extLst>
               <a:ext uri="{FF2B5EF4-FFF2-40B4-BE49-F238E27FC236}">
-                <a16:creationId xmlns:a16="http://schemas.microsoft.com/office/drawing/2014/main" id="{5BA42ECD-9889-06B3-BFDC-5A03E8440551}"/>
+                <a16:creationId xmlns:a16="http://schemas.microsoft.com/office/drawing/2014/main" id="{FC5EE7C5-E6BB-72D2-53A0-6BF66AB3CBBF}"/>
               </a:ext>
             </a:extLst>
           </p:cNvPr>
@@ -2645,7 +2645,7 @@
           <p:cNvPr id="5" name="日期占位符 4">
             <a:extLst>
               <a:ext uri="{FF2B5EF4-FFF2-40B4-BE49-F238E27FC236}">
-                <a16:creationId xmlns:a16="http://schemas.microsoft.com/office/drawing/2014/main" id="{FC16862A-4E1C-DB33-8C58-252F19B4C042}"/>
+                <a16:creationId xmlns:a16="http://schemas.microsoft.com/office/drawing/2014/main" id="{8B085123-D98E-88EC-A75E-AE18F4E66943}"/>
               </a:ext>
             </a:extLst>
           </p:cNvPr>
@@ -2661,7 +2661,7 @@
           <a:bodyPr/>
           <a:lstStyle/>
           <a:p>
-            <a:fld id="{77D9D816-7CCD-4B26-BB2F-C79EE12B0E73}" type="datetimeFigureOut">
+            <a:fld id="{868829E5-E034-4104-92C5-4EB61FEB07A2}" type="datetimeFigureOut">
               <a:rPr lang="zh-CN" altLang="en-US" smtClean="0"/>
               <a:t>2024/3/10</a:t>
             </a:fld>
@@ -2674,7 +2674,7 @@
           <p:cNvPr id="6" name="页脚占位符 5">
             <a:extLst>
               <a:ext uri="{FF2B5EF4-FFF2-40B4-BE49-F238E27FC236}">
-                <a16:creationId xmlns:a16="http://schemas.microsoft.com/office/drawing/2014/main" id="{6C2C32A1-1F09-82C5-51F0-837F7A228D56}"/>
+                <a16:creationId xmlns:a16="http://schemas.microsoft.com/office/drawing/2014/main" id="{99E20805-E85D-AA9B-E199-D0296364CEDD}"/>
               </a:ext>
             </a:extLst>
           </p:cNvPr>
@@ -2699,7 +2699,7 @@
           <p:cNvPr id="7" name="灯片编号占位符 6">
             <a:extLst>
               <a:ext uri="{FF2B5EF4-FFF2-40B4-BE49-F238E27FC236}">
-                <a16:creationId xmlns:a16="http://schemas.microsoft.com/office/drawing/2014/main" id="{F99BD898-B514-3D3E-6743-860FFEDE7AF2}"/>
+                <a16:creationId xmlns:a16="http://schemas.microsoft.com/office/drawing/2014/main" id="{2831CC3C-1E23-A97C-4153-F0893430A410}"/>
               </a:ext>
             </a:extLst>
           </p:cNvPr>
@@ -2715,7 +2715,7 @@
           <a:bodyPr/>
           <a:lstStyle/>
           <a:p>
-            <a:fld id="{3F388C96-6916-4F13-AC85-61A15A2A1B47}" type="slidenum">
+            <a:fld id="{ABBD7D73-9401-4E4A-9BE1-75403A54D665}" type="slidenum">
               <a:rPr lang="zh-CN" altLang="en-US" smtClean="0"/>
               <a:t>‹#›</a:t>
             </a:fld>
@@ -2726,7 +2726,7 @@
     </p:spTree>
     <p:extLst>
       <p:ext uri="{BB962C8B-B14F-4D97-AF65-F5344CB8AC3E}">
-        <p14:creationId xmlns:p14="http://schemas.microsoft.com/office/powerpoint/2010/main" val="981265436"/>
+        <p14:creationId xmlns:p14="http://schemas.microsoft.com/office/powerpoint/2010/main" val="2502409101"/>
       </p:ext>
     </p:extLst>
   </p:cSld>
@@ -2763,7 +2763,7 @@
           <p:cNvPr id="2" name="标题占位符 1">
             <a:extLst>
               <a:ext uri="{FF2B5EF4-FFF2-40B4-BE49-F238E27FC236}">
-                <a16:creationId xmlns:a16="http://schemas.microsoft.com/office/drawing/2014/main" id="{595B9ECB-BF07-85F1-1843-6D98E49EE936}"/>
+                <a16:creationId xmlns:a16="http://schemas.microsoft.com/office/drawing/2014/main" id="{0D9DB7B9-C09A-0FDA-FE34-B1790BF8ABAE}"/>
               </a:ext>
             </a:extLst>
           </p:cNvPr>
@@ -2801,7 +2801,7 @@
           <p:cNvPr id="3" name="文本占位符 2">
             <a:extLst>
               <a:ext uri="{FF2B5EF4-FFF2-40B4-BE49-F238E27FC236}">
-                <a16:creationId xmlns:a16="http://schemas.microsoft.com/office/drawing/2014/main" id="{29AD019A-C2C2-CE04-F60E-D817A3A82855}"/>
+                <a16:creationId xmlns:a16="http://schemas.microsoft.com/office/drawing/2014/main" id="{0EE9017C-B364-A58E-75C2-C5065A41DD8D}"/>
               </a:ext>
             </a:extLst>
           </p:cNvPr>
@@ -2868,7 +2868,7 @@
           <p:cNvPr id="4" name="日期占位符 3">
             <a:extLst>
               <a:ext uri="{FF2B5EF4-FFF2-40B4-BE49-F238E27FC236}">
-                <a16:creationId xmlns:a16="http://schemas.microsoft.com/office/drawing/2014/main" id="{22F53416-21DB-CF44-DA88-BDB3896AFF7D}"/>
+                <a16:creationId xmlns:a16="http://schemas.microsoft.com/office/drawing/2014/main" id="{78595FDD-0540-A568-B0DE-E05345816D76}"/>
               </a:ext>
             </a:extLst>
           </p:cNvPr>
@@ -2902,7 +2902,7 @@
             </a:lvl1pPr>
           </a:lstStyle>
           <a:p>
-            <a:fld id="{77D9D816-7CCD-4B26-BB2F-C79EE12B0E73}" type="datetimeFigureOut">
+            <a:fld id="{868829E5-E034-4104-92C5-4EB61FEB07A2}" type="datetimeFigureOut">
               <a:rPr lang="zh-CN" altLang="en-US" smtClean="0"/>
               <a:t>2024/3/10</a:t>
             </a:fld>
@@ -2915,7 +2915,7 @@
           <p:cNvPr id="5" name="页脚占位符 4">
             <a:extLst>
               <a:ext uri="{FF2B5EF4-FFF2-40B4-BE49-F238E27FC236}">
-                <a16:creationId xmlns:a16="http://schemas.microsoft.com/office/drawing/2014/main" id="{9151B7F7-2D20-F4AF-E217-5EFCD078D8B0}"/>
+                <a16:creationId xmlns:a16="http://schemas.microsoft.com/office/drawing/2014/main" id="{49B99E57-EBC1-3DA2-D2EB-34AF0D5E05DC}"/>
               </a:ext>
             </a:extLst>
           </p:cNvPr>
@@ -2958,7 +2958,7 @@
           <p:cNvPr id="6" name="灯片编号占位符 5">
             <a:extLst>
               <a:ext uri="{FF2B5EF4-FFF2-40B4-BE49-F238E27FC236}">
-                <a16:creationId xmlns:a16="http://schemas.microsoft.com/office/drawing/2014/main" id="{1586A7AB-BA40-0791-F732-B3AC56DC5545}"/>
+                <a16:creationId xmlns:a16="http://schemas.microsoft.com/office/drawing/2014/main" id="{33F8311F-2DB3-AF17-E0CD-64DC75E0393C}"/>
               </a:ext>
             </a:extLst>
           </p:cNvPr>
@@ -2992,7 +2992,7 @@
             </a:lvl1pPr>
           </a:lstStyle>
           <a:p>
-            <a:fld id="{3F388C96-6916-4F13-AC85-61A15A2A1B47}" type="slidenum">
+            <a:fld id="{ABBD7D73-9401-4E4A-9BE1-75403A54D665}" type="slidenum">
               <a:rPr lang="zh-CN" altLang="en-US" smtClean="0"/>
               <a:t>‹#›</a:t>
             </a:fld>
@@ -3003,7 +3003,7 @@
     </p:spTree>
     <p:extLst>
       <p:ext uri="{BB962C8B-B14F-4D97-AF65-F5344CB8AC3E}">
-        <p14:creationId xmlns:p14="http://schemas.microsoft.com/office/powerpoint/2010/main" val="36597373"/>
+        <p14:creationId xmlns:p14="http://schemas.microsoft.com/office/powerpoint/2010/main" val="3844892041"/>
       </p:ext>
     </p:extLst>
   </p:cSld>
